--- a/MyLearnings/Cloud Computing with Azure/Cloud PPT's/Chapter9- Private Vs public IP.pptx
+++ b/MyLearnings/Cloud Computing with Azure/Cloud PPT's/Chapter9- Private Vs public IP.pptx
@@ -5,18 +5,19 @@
     <p:sldMasterId id="2147483648" r:id="rId1"/>
   </p:sldMasterIdLst>
   <p:sldIdLst>
-    <p:sldId id="256" r:id="rId2"/>
-    <p:sldId id="265" r:id="rId3"/>
-    <p:sldId id="266" r:id="rId4"/>
-    <p:sldId id="263" r:id="rId5"/>
-    <p:sldId id="259" r:id="rId6"/>
-    <p:sldId id="257" r:id="rId7"/>
-    <p:sldId id="258" r:id="rId8"/>
-    <p:sldId id="260" r:id="rId9"/>
-    <p:sldId id="261" r:id="rId10"/>
-    <p:sldId id="264" r:id="rId11"/>
-    <p:sldId id="262" r:id="rId12"/>
-    <p:sldId id="267" r:id="rId13"/>
+    <p:sldId id="268" r:id="rId2"/>
+    <p:sldId id="256" r:id="rId3"/>
+    <p:sldId id="265" r:id="rId4"/>
+    <p:sldId id="266" r:id="rId5"/>
+    <p:sldId id="263" r:id="rId6"/>
+    <p:sldId id="259" r:id="rId7"/>
+    <p:sldId id="257" r:id="rId8"/>
+    <p:sldId id="258" r:id="rId9"/>
+    <p:sldId id="260" r:id="rId10"/>
+    <p:sldId id="261" r:id="rId11"/>
+    <p:sldId id="264" r:id="rId12"/>
+    <p:sldId id="262" r:id="rId13"/>
+    <p:sldId id="267" r:id="rId14"/>
   </p:sldIdLst>
   <p:sldSz cx="12192000" cy="6858000"/>
   <p:notesSz cx="6858000" cy="9144000"/>
@@ -115,6 +116,11 @@
       </a:defRPr>
     </a:lvl9pPr>
   </p:defaultTextStyle>
+  <p:extLst>
+    <p:ext uri="{EFAFB233-063F-42B5-8137-9DF3F51BA10A}">
+      <p15:sldGuideLst xmlns:p15="http://schemas.microsoft.com/office/powerpoint/2012/main"/>
+    </p:ext>
+  </p:extLst>
 </p:presentation>
 </file>
 
@@ -267,7 +273,7 @@
           <a:p>
             <a:fld id="{D759DC55-8449-47F2-B0EF-F61D6EC38B55}" type="datetimeFigureOut">
               <a:rPr lang="en-IN" smtClean="0"/>
-              <a:t>21-06-2024</a:t>
+              <a:t>23-06-2024</a:t>
             </a:fld>
             <a:endParaRPr lang="en-IN"/>
           </a:p>
@@ -467,7 +473,7 @@
           <a:p>
             <a:fld id="{D759DC55-8449-47F2-B0EF-F61D6EC38B55}" type="datetimeFigureOut">
               <a:rPr lang="en-IN" smtClean="0"/>
-              <a:t>21-06-2024</a:t>
+              <a:t>23-06-2024</a:t>
             </a:fld>
             <a:endParaRPr lang="en-IN"/>
           </a:p>
@@ -677,7 +683,7 @@
           <a:p>
             <a:fld id="{D759DC55-8449-47F2-B0EF-F61D6EC38B55}" type="datetimeFigureOut">
               <a:rPr lang="en-IN" smtClean="0"/>
-              <a:t>21-06-2024</a:t>
+              <a:t>23-06-2024</a:t>
             </a:fld>
             <a:endParaRPr lang="en-IN"/>
           </a:p>
@@ -877,7 +883,7 @@
           <a:p>
             <a:fld id="{D759DC55-8449-47F2-B0EF-F61D6EC38B55}" type="datetimeFigureOut">
               <a:rPr lang="en-IN" smtClean="0"/>
-              <a:t>21-06-2024</a:t>
+              <a:t>23-06-2024</a:t>
             </a:fld>
             <a:endParaRPr lang="en-IN"/>
           </a:p>
@@ -1153,7 +1159,7 @@
           <a:p>
             <a:fld id="{D759DC55-8449-47F2-B0EF-F61D6EC38B55}" type="datetimeFigureOut">
               <a:rPr lang="en-IN" smtClean="0"/>
-              <a:t>21-06-2024</a:t>
+              <a:t>23-06-2024</a:t>
             </a:fld>
             <a:endParaRPr lang="en-IN"/>
           </a:p>
@@ -1421,7 +1427,7 @@
           <a:p>
             <a:fld id="{D759DC55-8449-47F2-B0EF-F61D6EC38B55}" type="datetimeFigureOut">
               <a:rPr lang="en-IN" smtClean="0"/>
-              <a:t>21-06-2024</a:t>
+              <a:t>23-06-2024</a:t>
             </a:fld>
             <a:endParaRPr lang="en-IN"/>
           </a:p>
@@ -1836,7 +1842,7 @@
           <a:p>
             <a:fld id="{D759DC55-8449-47F2-B0EF-F61D6EC38B55}" type="datetimeFigureOut">
               <a:rPr lang="en-IN" smtClean="0"/>
-              <a:t>21-06-2024</a:t>
+              <a:t>23-06-2024</a:t>
             </a:fld>
             <a:endParaRPr lang="en-IN"/>
           </a:p>
@@ -1978,7 +1984,7 @@
           <a:p>
             <a:fld id="{D759DC55-8449-47F2-B0EF-F61D6EC38B55}" type="datetimeFigureOut">
               <a:rPr lang="en-IN" smtClean="0"/>
-              <a:t>21-06-2024</a:t>
+              <a:t>23-06-2024</a:t>
             </a:fld>
             <a:endParaRPr lang="en-IN"/>
           </a:p>
@@ -2091,7 +2097,7 @@
           <a:p>
             <a:fld id="{D759DC55-8449-47F2-B0EF-F61D6EC38B55}" type="datetimeFigureOut">
               <a:rPr lang="en-IN" smtClean="0"/>
-              <a:t>21-06-2024</a:t>
+              <a:t>23-06-2024</a:t>
             </a:fld>
             <a:endParaRPr lang="en-IN"/>
           </a:p>
@@ -2404,7 +2410,7 @@
           <a:p>
             <a:fld id="{D759DC55-8449-47F2-B0EF-F61D6EC38B55}" type="datetimeFigureOut">
               <a:rPr lang="en-IN" smtClean="0"/>
-              <a:t>21-06-2024</a:t>
+              <a:t>23-06-2024</a:t>
             </a:fld>
             <a:endParaRPr lang="en-IN"/>
           </a:p>
@@ -2693,7 +2699,7 @@
           <a:p>
             <a:fld id="{D759DC55-8449-47F2-B0EF-F61D6EC38B55}" type="datetimeFigureOut">
               <a:rPr lang="en-IN" smtClean="0"/>
-              <a:t>21-06-2024</a:t>
+              <a:t>23-06-2024</a:t>
             </a:fld>
             <a:endParaRPr lang="en-IN"/>
           </a:p>
@@ -2936,7 +2942,7 @@
           <a:p>
             <a:fld id="{D759DC55-8449-47F2-B0EF-F61D6EC38B55}" type="datetimeFigureOut">
               <a:rPr lang="en-IN" smtClean="0"/>
-              <a:t>21-06-2024</a:t>
+              <a:t>23-06-2024</a:t>
             </a:fld>
             <a:endParaRPr lang="en-IN"/>
           </a:p>
@@ -3358,7 +3364,7 @@
           <p:cNvPr id="2" name="Title 1">
             <a:extLst>
               <a:ext uri="{FF2B5EF4-FFF2-40B4-BE49-F238E27FC236}">
-                <a16:creationId xmlns:a16="http://schemas.microsoft.com/office/drawing/2014/main" id="{A807CA2A-E351-EBD4-E7F2-14A062C6B6F7}"/>
+                <a16:creationId xmlns:a16="http://schemas.microsoft.com/office/drawing/2014/main" id="{F77D3AD8-8651-9847-3B03-5FD776236284}"/>
               </a:ext>
             </a:extLst>
           </p:cNvPr>
@@ -3375,12 +3381,8 @@
           <a:lstStyle/>
           <a:p>
             <a:r>
-              <a:rPr lang="en-IN" dirty="0">
-                <a:solidFill>
-                  <a:srgbClr val="FF0000"/>
-                </a:solidFill>
-              </a:rPr>
-              <a:t>IP Address</a:t>
+              <a:rPr lang="en-IN" dirty="0"/>
+              <a:t>Very Important note</a:t>
             </a:r>
           </a:p>
         </p:txBody>
@@ -3390,7 +3392,7 @@
           <p:cNvPr id="3" name="Content Placeholder 2">
             <a:extLst>
               <a:ext uri="{FF2B5EF4-FFF2-40B4-BE49-F238E27FC236}">
-                <a16:creationId xmlns:a16="http://schemas.microsoft.com/office/drawing/2014/main" id="{C7D37C5B-28E3-3C0B-A49E-E93A0DB15C40}"/>
+                <a16:creationId xmlns:a16="http://schemas.microsoft.com/office/drawing/2014/main" id="{285921DF-79B2-8B86-AE8B-F013A0AFE5FF}"/>
               </a:ext>
             </a:extLst>
           </p:cNvPr>
@@ -3411,63 +3413,19 @@
             </a:pPr>
             <a:r>
               <a:rPr lang="en-IN" dirty="0"/>
-              <a:t>IP Addresses are limited. Total number of IPv4 addresses are-</a:t>
-            </a:r>
-          </a:p>
-          <a:p>
-            <a:pPr marL="0" indent="0">
-              <a:buNone/>
-            </a:pPr>
-            <a:r>
-              <a:rPr lang="en-IN" dirty="0"/>
-              <a:t>        </a:t>
-            </a:r>
-            <a:r>
-              <a:rPr lang="en-IN" dirty="0">
-                <a:effectLst/>
-              </a:rPr>
-              <a:t>2 to the Power of 32 is equal to </a:t>
-            </a:r>
-            <a:r>
-              <a:rPr lang="en-IN" b="1" dirty="0">
-                <a:effectLst/>
-              </a:rPr>
-              <a:t>4294967296</a:t>
-            </a:r>
-          </a:p>
-          <a:p>
-            <a:pPr marL="0" indent="0">
-              <a:buNone/>
-            </a:pPr>
-            <a:endParaRPr lang="en-IN" b="1" dirty="0"/>
-          </a:p>
-          <a:p>
-            <a:pPr marL="0" indent="0">
-              <a:buNone/>
-            </a:pPr>
-            <a:r>
-              <a:rPr lang="en-IN" dirty="0"/>
-              <a:t>As number of devices are increased, so we are moving from 32 bit IP address to 128 bit IP address(IPv6)</a:t>
-            </a:r>
-          </a:p>
-          <a:p>
-            <a:pPr marL="0" indent="0">
-              <a:buNone/>
-            </a:pPr>
-            <a:endParaRPr lang="en-IN" dirty="0"/>
-          </a:p>
-          <a:p>
-            <a:pPr marL="0" indent="0">
-              <a:buNone/>
-            </a:pPr>
-            <a:endParaRPr lang="en-IN" dirty="0"/>
+              <a:t>Public IP can change, but private IP </a:t>
+            </a:r>
+            <a:r>
+              <a:rPr lang="en-IN"/>
+              <a:t>is static</a:t>
+            </a:r>
           </a:p>
         </p:txBody>
       </p:sp>
     </p:spTree>
     <p:extLst>
       <p:ext uri="{BB962C8B-B14F-4D97-AF65-F5344CB8AC3E}">
-        <p14:creationId xmlns:p14="http://schemas.microsoft.com/office/powerpoint/2010/main" val="177545738"/>
+        <p14:creationId xmlns:p14="http://schemas.microsoft.com/office/powerpoint/2010/main" val="566853079"/>
       </p:ext>
     </p:extLst>
   </p:cSld>
@@ -3478,6 +3436,93 @@
 </file>
 
 <file path=ppt/slides/slide10.xml><?xml version="1.0" encoding="utf-8"?>
+<p:sld xmlns:a="http://schemas.openxmlformats.org/drawingml/2006/main" xmlns:r="http://schemas.openxmlformats.org/officeDocument/2006/relationships" xmlns:p="http://schemas.openxmlformats.org/presentationml/2006/main">
+  <p:cSld>
+    <p:spTree>
+      <p:nvGrpSpPr>
+        <p:cNvPr id="1" name=""/>
+        <p:cNvGrpSpPr/>
+        <p:nvPr/>
+      </p:nvGrpSpPr>
+      <p:grpSpPr>
+        <a:xfrm>
+          <a:off x="0" y="0"/>
+          <a:ext cx="0" cy="0"/>
+          <a:chOff x="0" y="0"/>
+          <a:chExt cx="0" cy="0"/>
+        </a:xfrm>
+      </p:grpSpPr>
+      <p:sp>
+        <p:nvSpPr>
+          <p:cNvPr id="2" name="Title 1">
+            <a:extLst>
+              <a:ext uri="{FF2B5EF4-FFF2-40B4-BE49-F238E27FC236}">
+                <a16:creationId xmlns:a16="http://schemas.microsoft.com/office/drawing/2014/main" id="{960640F4-9849-F929-9EDB-116D7F831FB0}"/>
+              </a:ext>
+            </a:extLst>
+          </p:cNvPr>
+          <p:cNvSpPr>
+            <a:spLocks noGrp="1"/>
+          </p:cNvSpPr>
+          <p:nvPr>
+            <p:ph type="title"/>
+          </p:nvPr>
+        </p:nvSpPr>
+        <p:spPr/>
+        <p:txBody>
+          <a:bodyPr/>
+          <a:lstStyle/>
+          <a:p>
+            <a:r>
+              <a:rPr lang="en-IN" dirty="0"/>
+              <a:t>How internet assign ISP assign IP address</a:t>
+            </a:r>
+          </a:p>
+        </p:txBody>
+      </p:sp>
+      <p:pic>
+        <p:nvPicPr>
+          <p:cNvPr id="5" name="Content Placeholder 4">
+            <a:extLst>
+              <a:ext uri="{FF2B5EF4-FFF2-40B4-BE49-F238E27FC236}">
+                <a16:creationId xmlns:a16="http://schemas.microsoft.com/office/drawing/2014/main" id="{0304FFF6-F486-4F24-ED7A-3F21B3311820}"/>
+              </a:ext>
+            </a:extLst>
+          </p:cNvPr>
+          <p:cNvPicPr>
+            <a:picLocks noGrp="1" noChangeAspect="1"/>
+          </p:cNvPicPr>
+          <p:nvPr>
+            <p:ph idx="1"/>
+          </p:nvPr>
+        </p:nvPicPr>
+        <p:blipFill>
+          <a:blip r:embed="rId2"/>
+          <a:stretch>
+            <a:fillRect/>
+          </a:stretch>
+        </p:blipFill>
+        <p:spPr>
+          <a:xfrm>
+            <a:off x="1599572" y="1891212"/>
+            <a:ext cx="8992855" cy="4220164"/>
+          </a:xfrm>
+        </p:spPr>
+      </p:pic>
+    </p:spTree>
+    <p:extLst>
+      <p:ext uri="{BB962C8B-B14F-4D97-AF65-F5344CB8AC3E}">
+        <p14:creationId xmlns:p14="http://schemas.microsoft.com/office/powerpoint/2010/main" val="3866817964"/>
+      </p:ext>
+    </p:extLst>
+  </p:cSld>
+  <p:clrMapOvr>
+    <a:masterClrMapping/>
+  </p:clrMapOvr>
+</p:sld>
+</file>
+
+<file path=ppt/slides/slide11.xml><?xml version="1.0" encoding="utf-8"?>
 <p:sld xmlns:a="http://schemas.openxmlformats.org/drawingml/2006/main" xmlns:r="http://schemas.openxmlformats.org/officeDocument/2006/relationships" xmlns:p="http://schemas.openxmlformats.org/presentationml/2006/main">
   <p:cSld>
     <p:spTree>
@@ -3569,7 +3614,7 @@
 </p:sld>
 </file>
 
-<file path=ppt/slides/slide11.xml><?xml version="1.0" encoding="utf-8"?>
+<file path=ppt/slides/slide12.xml><?xml version="1.0" encoding="utf-8"?>
 <p:sld xmlns:a="http://schemas.openxmlformats.org/drawingml/2006/main" xmlns:r="http://schemas.openxmlformats.org/officeDocument/2006/relationships" xmlns:p="http://schemas.openxmlformats.org/presentationml/2006/main">
   <p:cSld>
     <p:spTree>
@@ -3698,7 +3743,7 @@
 </p:sld>
 </file>
 
-<file path=ppt/slides/slide12.xml><?xml version="1.0" encoding="utf-8"?>
+<file path=ppt/slides/slide13.xml><?xml version="1.0" encoding="utf-8"?>
 <p:sld xmlns:a="http://schemas.openxmlformats.org/drawingml/2006/main" xmlns:r="http://schemas.openxmlformats.org/officeDocument/2006/relationships" xmlns:p="http://schemas.openxmlformats.org/presentationml/2006/main">
   <p:cSld>
     <p:spTree>
@@ -3808,6 +3853,147 @@
           <a:chExt cx="0" cy="0"/>
         </a:xfrm>
       </p:grpSpPr>
+      <p:sp>
+        <p:nvSpPr>
+          <p:cNvPr id="2" name="Title 1">
+            <a:extLst>
+              <a:ext uri="{FF2B5EF4-FFF2-40B4-BE49-F238E27FC236}">
+                <a16:creationId xmlns:a16="http://schemas.microsoft.com/office/drawing/2014/main" id="{A807CA2A-E351-EBD4-E7F2-14A062C6B6F7}"/>
+              </a:ext>
+            </a:extLst>
+          </p:cNvPr>
+          <p:cNvSpPr>
+            <a:spLocks noGrp="1"/>
+          </p:cNvSpPr>
+          <p:nvPr>
+            <p:ph type="title"/>
+          </p:nvPr>
+        </p:nvSpPr>
+        <p:spPr/>
+        <p:txBody>
+          <a:bodyPr/>
+          <a:lstStyle/>
+          <a:p>
+            <a:r>
+              <a:rPr lang="en-IN" dirty="0">
+                <a:solidFill>
+                  <a:srgbClr val="FF0000"/>
+                </a:solidFill>
+              </a:rPr>
+              <a:t>IP Address</a:t>
+            </a:r>
+          </a:p>
+        </p:txBody>
+      </p:sp>
+      <p:sp>
+        <p:nvSpPr>
+          <p:cNvPr id="3" name="Content Placeholder 2">
+            <a:extLst>
+              <a:ext uri="{FF2B5EF4-FFF2-40B4-BE49-F238E27FC236}">
+                <a16:creationId xmlns:a16="http://schemas.microsoft.com/office/drawing/2014/main" id="{C7D37C5B-28E3-3C0B-A49E-E93A0DB15C40}"/>
+              </a:ext>
+            </a:extLst>
+          </p:cNvPr>
+          <p:cNvSpPr>
+            <a:spLocks noGrp="1"/>
+          </p:cNvSpPr>
+          <p:nvPr>
+            <p:ph idx="1"/>
+          </p:nvPr>
+        </p:nvSpPr>
+        <p:spPr/>
+        <p:txBody>
+          <a:bodyPr/>
+          <a:lstStyle/>
+          <a:p>
+            <a:pPr marL="0" indent="0">
+              <a:buNone/>
+            </a:pPr>
+            <a:r>
+              <a:rPr lang="en-IN" dirty="0"/>
+              <a:t>IP Addresses are limited. Total number of IPv4 addresses are-</a:t>
+            </a:r>
+          </a:p>
+          <a:p>
+            <a:pPr marL="0" indent="0">
+              <a:buNone/>
+            </a:pPr>
+            <a:r>
+              <a:rPr lang="en-IN" dirty="0"/>
+              <a:t>        </a:t>
+            </a:r>
+            <a:r>
+              <a:rPr lang="en-IN" dirty="0">
+                <a:effectLst/>
+              </a:rPr>
+              <a:t>2 to the Power of 32 is equal to </a:t>
+            </a:r>
+            <a:r>
+              <a:rPr lang="en-IN" b="1" dirty="0">
+                <a:effectLst/>
+              </a:rPr>
+              <a:t>4294967296</a:t>
+            </a:r>
+          </a:p>
+          <a:p>
+            <a:pPr marL="0" indent="0">
+              <a:buNone/>
+            </a:pPr>
+            <a:endParaRPr lang="en-IN" b="1" dirty="0"/>
+          </a:p>
+          <a:p>
+            <a:pPr marL="0" indent="0">
+              <a:buNone/>
+            </a:pPr>
+            <a:r>
+              <a:rPr lang="en-IN" dirty="0"/>
+              <a:t>As number of devices are increased, so we are moving from 32 bit IP address to 128 bit IP address(IPv6)</a:t>
+            </a:r>
+          </a:p>
+          <a:p>
+            <a:pPr marL="0" indent="0">
+              <a:buNone/>
+            </a:pPr>
+            <a:endParaRPr lang="en-IN" dirty="0"/>
+          </a:p>
+          <a:p>
+            <a:pPr marL="0" indent="0">
+              <a:buNone/>
+            </a:pPr>
+            <a:endParaRPr lang="en-IN" dirty="0"/>
+          </a:p>
+        </p:txBody>
+      </p:sp>
+    </p:spTree>
+    <p:extLst>
+      <p:ext uri="{BB962C8B-B14F-4D97-AF65-F5344CB8AC3E}">
+        <p14:creationId xmlns:p14="http://schemas.microsoft.com/office/powerpoint/2010/main" val="177545738"/>
+      </p:ext>
+    </p:extLst>
+  </p:cSld>
+  <p:clrMapOvr>
+    <a:masterClrMapping/>
+  </p:clrMapOvr>
+</p:sld>
+</file>
+
+<file path=ppt/slides/slide3.xml><?xml version="1.0" encoding="utf-8"?>
+<p:sld xmlns:a="http://schemas.openxmlformats.org/drawingml/2006/main" xmlns:r="http://schemas.openxmlformats.org/officeDocument/2006/relationships" xmlns:p="http://schemas.openxmlformats.org/presentationml/2006/main">
+  <p:cSld>
+    <p:spTree>
+      <p:nvGrpSpPr>
+        <p:cNvPr id="1" name=""/>
+        <p:cNvGrpSpPr/>
+        <p:nvPr/>
+      </p:nvGrpSpPr>
+      <p:grpSpPr>
+        <a:xfrm>
+          <a:off x="0" y="0"/>
+          <a:ext cx="0" cy="0"/>
+          <a:chOff x="0" y="0"/>
+          <a:chExt cx="0" cy="0"/>
+        </a:xfrm>
+      </p:grpSpPr>
       <p:pic>
         <p:nvPicPr>
           <p:cNvPr id="5" name="Content Placeholder 4">
@@ -3850,99 +4036,6 @@
 </p:sld>
 </file>
 
-<file path=ppt/slides/slide3.xml><?xml version="1.0" encoding="utf-8"?>
-<p:sld xmlns:a="http://schemas.openxmlformats.org/drawingml/2006/main" xmlns:r="http://schemas.openxmlformats.org/officeDocument/2006/relationships" xmlns:p="http://schemas.openxmlformats.org/presentationml/2006/main">
-  <p:cSld>
-    <p:spTree>
-      <p:nvGrpSpPr>
-        <p:cNvPr id="1" name=""/>
-        <p:cNvGrpSpPr/>
-        <p:nvPr/>
-      </p:nvGrpSpPr>
-      <p:grpSpPr>
-        <a:xfrm>
-          <a:off x="0" y="0"/>
-          <a:ext cx="0" cy="0"/>
-          <a:chOff x="0" y="0"/>
-          <a:chExt cx="0" cy="0"/>
-        </a:xfrm>
-      </p:grpSpPr>
-      <p:sp>
-        <p:nvSpPr>
-          <p:cNvPr id="2" name="Title 1">
-            <a:extLst>
-              <a:ext uri="{FF2B5EF4-FFF2-40B4-BE49-F238E27FC236}">
-                <a16:creationId xmlns:a16="http://schemas.microsoft.com/office/drawing/2014/main" id="{35268C0F-D02B-DFE4-434F-1CA82F240E3E}"/>
-              </a:ext>
-            </a:extLst>
-          </p:cNvPr>
-          <p:cNvSpPr>
-            <a:spLocks noGrp="1"/>
-          </p:cNvSpPr>
-          <p:nvPr>
-            <p:ph type="title"/>
-          </p:nvPr>
-        </p:nvSpPr>
-        <p:spPr/>
-        <p:txBody>
-          <a:bodyPr/>
-          <a:lstStyle/>
-          <a:p>
-            <a:r>
-              <a:rPr lang="en-IN" dirty="0">
-                <a:solidFill>
-                  <a:srgbClr val="FF0000"/>
-                </a:solidFill>
-              </a:rPr>
-              <a:t>What is Public IP</a:t>
-            </a:r>
-          </a:p>
-        </p:txBody>
-      </p:sp>
-      <p:sp>
-        <p:nvSpPr>
-          <p:cNvPr id="3" name="Content Placeholder 2">
-            <a:extLst>
-              <a:ext uri="{FF2B5EF4-FFF2-40B4-BE49-F238E27FC236}">
-                <a16:creationId xmlns:a16="http://schemas.microsoft.com/office/drawing/2014/main" id="{C9CDF145-37B3-13FC-BBBB-F1E68289DA2C}"/>
-              </a:ext>
-            </a:extLst>
-          </p:cNvPr>
-          <p:cNvSpPr>
-            <a:spLocks noGrp="1"/>
-          </p:cNvSpPr>
-          <p:nvPr>
-            <p:ph idx="1"/>
-          </p:nvPr>
-        </p:nvSpPr>
-        <p:spPr/>
-        <p:txBody>
-          <a:bodyPr/>
-          <a:lstStyle/>
-          <a:p>
-            <a:pPr marL="0" indent="0">
-              <a:buNone/>
-            </a:pPr>
-            <a:r>
-              <a:rPr lang="en-IN" dirty="0"/>
-              <a:t>To overcome the shortage of public IP address, private IP address is introduced.</a:t>
-            </a:r>
-          </a:p>
-        </p:txBody>
-      </p:sp>
-    </p:spTree>
-    <p:extLst>
-      <p:ext uri="{BB962C8B-B14F-4D97-AF65-F5344CB8AC3E}">
-        <p14:creationId xmlns:p14="http://schemas.microsoft.com/office/powerpoint/2010/main" val="2452344312"/>
-      </p:ext>
-    </p:extLst>
-  </p:cSld>
-  <p:clrMapOvr>
-    <a:masterClrMapping/>
-  </p:clrMapOvr>
-</p:sld>
-</file>
-
 <file path=ppt/slides/slide4.xml><?xml version="1.0" encoding="utf-8"?>
 <p:sld xmlns:a="http://schemas.openxmlformats.org/drawingml/2006/main" xmlns:r="http://schemas.openxmlformats.org/officeDocument/2006/relationships" xmlns:p="http://schemas.openxmlformats.org/presentationml/2006/main">
   <p:cSld>
@@ -3965,6 +4058,99 @@
           <p:cNvPr id="2" name="Title 1">
             <a:extLst>
               <a:ext uri="{FF2B5EF4-FFF2-40B4-BE49-F238E27FC236}">
+                <a16:creationId xmlns:a16="http://schemas.microsoft.com/office/drawing/2014/main" id="{35268C0F-D02B-DFE4-434F-1CA82F240E3E}"/>
+              </a:ext>
+            </a:extLst>
+          </p:cNvPr>
+          <p:cNvSpPr>
+            <a:spLocks noGrp="1"/>
+          </p:cNvSpPr>
+          <p:nvPr>
+            <p:ph type="title"/>
+          </p:nvPr>
+        </p:nvSpPr>
+        <p:spPr/>
+        <p:txBody>
+          <a:bodyPr/>
+          <a:lstStyle/>
+          <a:p>
+            <a:r>
+              <a:rPr lang="en-IN" dirty="0">
+                <a:solidFill>
+                  <a:srgbClr val="FF0000"/>
+                </a:solidFill>
+              </a:rPr>
+              <a:t>What is Public IP</a:t>
+            </a:r>
+          </a:p>
+        </p:txBody>
+      </p:sp>
+      <p:sp>
+        <p:nvSpPr>
+          <p:cNvPr id="3" name="Content Placeholder 2">
+            <a:extLst>
+              <a:ext uri="{FF2B5EF4-FFF2-40B4-BE49-F238E27FC236}">
+                <a16:creationId xmlns:a16="http://schemas.microsoft.com/office/drawing/2014/main" id="{C9CDF145-37B3-13FC-BBBB-F1E68289DA2C}"/>
+              </a:ext>
+            </a:extLst>
+          </p:cNvPr>
+          <p:cNvSpPr>
+            <a:spLocks noGrp="1"/>
+          </p:cNvSpPr>
+          <p:nvPr>
+            <p:ph idx="1"/>
+          </p:nvPr>
+        </p:nvSpPr>
+        <p:spPr/>
+        <p:txBody>
+          <a:bodyPr/>
+          <a:lstStyle/>
+          <a:p>
+            <a:pPr marL="0" indent="0">
+              <a:buNone/>
+            </a:pPr>
+            <a:r>
+              <a:rPr lang="en-IN" dirty="0"/>
+              <a:t>To overcome the shortage of public IP address, private IP address is introduced.</a:t>
+            </a:r>
+          </a:p>
+        </p:txBody>
+      </p:sp>
+    </p:spTree>
+    <p:extLst>
+      <p:ext uri="{BB962C8B-B14F-4D97-AF65-F5344CB8AC3E}">
+        <p14:creationId xmlns:p14="http://schemas.microsoft.com/office/powerpoint/2010/main" val="2452344312"/>
+      </p:ext>
+    </p:extLst>
+  </p:cSld>
+  <p:clrMapOvr>
+    <a:masterClrMapping/>
+  </p:clrMapOvr>
+</p:sld>
+</file>
+
+<file path=ppt/slides/slide5.xml><?xml version="1.0" encoding="utf-8"?>
+<p:sld xmlns:a="http://schemas.openxmlformats.org/drawingml/2006/main" xmlns:r="http://schemas.openxmlformats.org/officeDocument/2006/relationships" xmlns:p="http://schemas.openxmlformats.org/presentationml/2006/main">
+  <p:cSld>
+    <p:spTree>
+      <p:nvGrpSpPr>
+        <p:cNvPr id="1" name=""/>
+        <p:cNvGrpSpPr/>
+        <p:nvPr/>
+      </p:nvGrpSpPr>
+      <p:grpSpPr>
+        <a:xfrm>
+          <a:off x="0" y="0"/>
+          <a:ext cx="0" cy="0"/>
+          <a:chOff x="0" y="0"/>
+          <a:chExt cx="0" cy="0"/>
+        </a:xfrm>
+      </p:grpSpPr>
+      <p:sp>
+        <p:nvSpPr>
+          <p:cNvPr id="2" name="Title 1">
+            <a:extLst>
+              <a:ext uri="{FF2B5EF4-FFF2-40B4-BE49-F238E27FC236}">
                 <a16:creationId xmlns:a16="http://schemas.microsoft.com/office/drawing/2014/main" id="{5EBD0041-E5C8-0F64-7AD2-0C4EB03085CB}"/>
               </a:ext>
             </a:extLst>
@@ -4112,7 +4298,7 @@
 </p:sld>
 </file>
 
-<file path=ppt/slides/slide5.xml><?xml version="1.0" encoding="utf-8"?>
+<file path=ppt/slides/slide6.xml><?xml version="1.0" encoding="utf-8"?>
 <p:sld xmlns:a="http://schemas.openxmlformats.org/drawingml/2006/main" xmlns:r="http://schemas.openxmlformats.org/officeDocument/2006/relationships" xmlns:p="http://schemas.openxmlformats.org/presentationml/2006/main">
   <p:cSld>
     <p:spTree>
@@ -4199,7 +4385,7 @@
 </p:sld>
 </file>
 
-<file path=ppt/slides/slide6.xml><?xml version="1.0" encoding="utf-8"?>
+<file path=ppt/slides/slide7.xml><?xml version="1.0" encoding="utf-8"?>
 <p:sld xmlns:a="http://schemas.openxmlformats.org/drawingml/2006/main" xmlns:r="http://schemas.openxmlformats.org/officeDocument/2006/relationships" xmlns:p="http://schemas.openxmlformats.org/presentationml/2006/main">
   <p:cSld>
     <p:spTree>
@@ -4286,119 +4472,6 @@
 </p:sld>
 </file>
 
-<file path=ppt/slides/slide7.xml><?xml version="1.0" encoding="utf-8"?>
-<p:sld xmlns:a="http://schemas.openxmlformats.org/drawingml/2006/main" xmlns:r="http://schemas.openxmlformats.org/officeDocument/2006/relationships" xmlns:p="http://schemas.openxmlformats.org/presentationml/2006/main">
-  <p:cSld>
-    <p:spTree>
-      <p:nvGrpSpPr>
-        <p:cNvPr id="1" name=""/>
-        <p:cNvGrpSpPr/>
-        <p:nvPr/>
-      </p:nvGrpSpPr>
-      <p:grpSpPr>
-        <a:xfrm>
-          <a:off x="0" y="0"/>
-          <a:ext cx="0" cy="0"/>
-          <a:chOff x="0" y="0"/>
-          <a:chExt cx="0" cy="0"/>
-        </a:xfrm>
-      </p:grpSpPr>
-      <p:sp>
-        <p:nvSpPr>
-          <p:cNvPr id="2" name="Title 1">
-            <a:extLst>
-              <a:ext uri="{FF2B5EF4-FFF2-40B4-BE49-F238E27FC236}">
-                <a16:creationId xmlns:a16="http://schemas.microsoft.com/office/drawing/2014/main" id="{E602EA8F-F814-8124-57B1-883CDD59993A}"/>
-              </a:ext>
-            </a:extLst>
-          </p:cNvPr>
-          <p:cNvSpPr>
-            <a:spLocks noGrp="1"/>
-          </p:cNvSpPr>
-          <p:nvPr>
-            <p:ph type="title"/>
-          </p:nvPr>
-        </p:nvSpPr>
-        <p:spPr/>
-        <p:txBody>
-          <a:bodyPr/>
-          <a:lstStyle/>
-          <a:p>
-            <a:r>
-              <a:rPr lang="en-IN" dirty="0"/>
-              <a:t>How to utilized IP address</a:t>
-            </a:r>
-          </a:p>
-        </p:txBody>
-      </p:sp>
-      <p:sp>
-        <p:nvSpPr>
-          <p:cNvPr id="3" name="Content Placeholder 2">
-            <a:extLst>
-              <a:ext uri="{FF2B5EF4-FFF2-40B4-BE49-F238E27FC236}">
-                <a16:creationId xmlns:a16="http://schemas.microsoft.com/office/drawing/2014/main" id="{F8617541-B52B-E64E-25DD-BBD83E92A022}"/>
-              </a:ext>
-            </a:extLst>
-          </p:cNvPr>
-          <p:cNvSpPr>
-            <a:spLocks noGrp="1"/>
-          </p:cNvSpPr>
-          <p:nvPr>
-            <p:ph idx="1"/>
-          </p:nvPr>
-        </p:nvSpPr>
-        <p:spPr/>
-        <p:txBody>
-          <a:bodyPr/>
-          <a:lstStyle/>
-          <a:p>
-            <a:pPr marL="0" indent="0">
-              <a:buNone/>
-            </a:pPr>
-            <a:r>
-              <a:rPr lang="en-IN" dirty="0"/>
-              <a:t>Case of Wasting IP address-</a:t>
-            </a:r>
-          </a:p>
-          <a:p>
-            <a:pPr marL="0" indent="0">
-              <a:buNone/>
-            </a:pPr>
-            <a:endParaRPr lang="en-IN" dirty="0"/>
-          </a:p>
-          <a:p>
-            <a:pPr marL="514350" indent="-514350">
-              <a:buAutoNum type="arabicParenR"/>
-            </a:pPr>
-            <a:r>
-              <a:rPr lang="en-IN" dirty="0"/>
-              <a:t>In your mobile internet is connected, but you are not using your mobile, so it’s going to block 1 Address.</a:t>
-            </a:r>
-          </a:p>
-          <a:p>
-            <a:pPr marL="514350" indent="-514350">
-              <a:buAutoNum type="arabicParenR"/>
-            </a:pPr>
-            <a:r>
-              <a:rPr lang="en-IN" dirty="0"/>
-              <a:t>You are in break, but your office Laptop is running.</a:t>
-            </a:r>
-          </a:p>
-        </p:txBody>
-      </p:sp>
-    </p:spTree>
-    <p:extLst>
-      <p:ext uri="{BB962C8B-B14F-4D97-AF65-F5344CB8AC3E}">
-        <p14:creationId xmlns:p14="http://schemas.microsoft.com/office/powerpoint/2010/main" val="827746868"/>
-      </p:ext>
-    </p:extLst>
-  </p:cSld>
-  <p:clrMapOvr>
-    <a:masterClrMapping/>
-  </p:clrMapOvr>
-</p:sld>
-</file>
-
 <file path=ppt/slides/slide8.xml><?xml version="1.0" encoding="utf-8"?>
 <p:sld xmlns:a="http://schemas.openxmlformats.org/drawingml/2006/main" xmlns:r="http://schemas.openxmlformats.org/officeDocument/2006/relationships" xmlns:p="http://schemas.openxmlformats.org/presentationml/2006/main">
   <p:cSld>
@@ -4421,7 +4494,7 @@
           <p:cNvPr id="2" name="Title 1">
             <a:extLst>
               <a:ext uri="{FF2B5EF4-FFF2-40B4-BE49-F238E27FC236}">
-                <a16:creationId xmlns:a16="http://schemas.microsoft.com/office/drawing/2014/main" id="{59FDF3A2-92B7-851C-7CA9-CAA0F26388DC}"/>
+                <a16:creationId xmlns:a16="http://schemas.microsoft.com/office/drawing/2014/main" id="{E602EA8F-F814-8124-57B1-883CDD59993A}"/>
               </a:ext>
             </a:extLst>
           </p:cNvPr>
@@ -4439,44 +4512,70 @@
           <a:p>
             <a:r>
               <a:rPr lang="en-IN" dirty="0"/>
-              <a:t>Devices with IP address</a:t>
-            </a:r>
-          </a:p>
-        </p:txBody>
-      </p:sp>
-      <p:pic>
-        <p:nvPicPr>
-          <p:cNvPr id="5" name="Content Placeholder 4">
-            <a:extLst>
-              <a:ext uri="{FF2B5EF4-FFF2-40B4-BE49-F238E27FC236}">
-                <a16:creationId xmlns:a16="http://schemas.microsoft.com/office/drawing/2014/main" id="{F15660E1-B116-9595-8975-60EC68787C39}"/>
-              </a:ext>
-            </a:extLst>
-          </p:cNvPr>
-          <p:cNvPicPr>
-            <a:picLocks noGrp="1" noChangeAspect="1"/>
-          </p:cNvPicPr>
+              <a:t>How to utilized IP address</a:t>
+            </a:r>
+          </a:p>
+        </p:txBody>
+      </p:sp>
+      <p:sp>
+        <p:nvSpPr>
+          <p:cNvPr id="3" name="Content Placeholder 2">
+            <a:extLst>
+              <a:ext uri="{FF2B5EF4-FFF2-40B4-BE49-F238E27FC236}">
+                <a16:creationId xmlns:a16="http://schemas.microsoft.com/office/drawing/2014/main" id="{F8617541-B52B-E64E-25DD-BBD83E92A022}"/>
+              </a:ext>
+            </a:extLst>
+          </p:cNvPr>
+          <p:cNvSpPr>
+            <a:spLocks noGrp="1"/>
+          </p:cNvSpPr>
           <p:nvPr>
             <p:ph idx="1"/>
           </p:nvPr>
-        </p:nvPicPr>
-        <p:blipFill>
-          <a:blip r:embed="rId2"/>
-          <a:stretch>
-            <a:fillRect/>
-          </a:stretch>
-        </p:blipFill>
-        <p:spPr>
-          <a:xfrm>
-            <a:off x="1904415" y="2043633"/>
-            <a:ext cx="8383170" cy="3915321"/>
-          </a:xfrm>
-        </p:spPr>
-      </p:pic>
+        </p:nvSpPr>
+        <p:spPr/>
+        <p:txBody>
+          <a:bodyPr/>
+          <a:lstStyle/>
+          <a:p>
+            <a:pPr marL="0" indent="0">
+              <a:buNone/>
+            </a:pPr>
+            <a:r>
+              <a:rPr lang="en-IN" dirty="0"/>
+              <a:t>Case of Wasting IP address-</a:t>
+            </a:r>
+          </a:p>
+          <a:p>
+            <a:pPr marL="0" indent="0">
+              <a:buNone/>
+            </a:pPr>
+            <a:endParaRPr lang="en-IN" dirty="0"/>
+          </a:p>
+          <a:p>
+            <a:pPr marL="514350" indent="-514350">
+              <a:buAutoNum type="arabicParenR"/>
+            </a:pPr>
+            <a:r>
+              <a:rPr lang="en-IN" dirty="0"/>
+              <a:t>In your mobile internet is connected, but you are not using your mobile, so it’s going to block 1 Address.</a:t>
+            </a:r>
+          </a:p>
+          <a:p>
+            <a:pPr marL="514350" indent="-514350">
+              <a:buAutoNum type="arabicParenR"/>
+            </a:pPr>
+            <a:r>
+              <a:rPr lang="en-IN" dirty="0"/>
+              <a:t>You are in break, but your office Laptop is running.</a:t>
+            </a:r>
+          </a:p>
+        </p:txBody>
+      </p:sp>
     </p:spTree>
     <p:extLst>
       <p:ext uri="{BB962C8B-B14F-4D97-AF65-F5344CB8AC3E}">
-        <p14:creationId xmlns:p14="http://schemas.microsoft.com/office/powerpoint/2010/main" val="3559392291"/>
+        <p14:creationId xmlns:p14="http://schemas.microsoft.com/office/powerpoint/2010/main" val="827746868"/>
       </p:ext>
     </p:extLst>
   </p:cSld>
@@ -4508,7 +4607,7 @@
           <p:cNvPr id="2" name="Title 1">
             <a:extLst>
               <a:ext uri="{FF2B5EF4-FFF2-40B4-BE49-F238E27FC236}">
-                <a16:creationId xmlns:a16="http://schemas.microsoft.com/office/drawing/2014/main" id="{960640F4-9849-F929-9EDB-116D7F831FB0}"/>
+                <a16:creationId xmlns:a16="http://schemas.microsoft.com/office/drawing/2014/main" id="{59FDF3A2-92B7-851C-7CA9-CAA0F26388DC}"/>
               </a:ext>
             </a:extLst>
           </p:cNvPr>
@@ -4526,7 +4625,7 @@
           <a:p>
             <a:r>
               <a:rPr lang="en-IN" dirty="0"/>
-              <a:t>How internet assign ISP assign IP address</a:t>
+              <a:t>Devices with IP address</a:t>
             </a:r>
           </a:p>
         </p:txBody>
@@ -4536,7 +4635,7 @@
           <p:cNvPr id="5" name="Content Placeholder 4">
             <a:extLst>
               <a:ext uri="{FF2B5EF4-FFF2-40B4-BE49-F238E27FC236}">
-                <a16:creationId xmlns:a16="http://schemas.microsoft.com/office/drawing/2014/main" id="{0304FFF6-F486-4F24-ED7A-3F21B3311820}"/>
+                <a16:creationId xmlns:a16="http://schemas.microsoft.com/office/drawing/2014/main" id="{F15660E1-B116-9595-8975-60EC68787C39}"/>
               </a:ext>
             </a:extLst>
           </p:cNvPr>
@@ -4555,15 +4654,15 @@
         </p:blipFill>
         <p:spPr>
           <a:xfrm>
-            <a:off x="1599572" y="1891212"/>
-            <a:ext cx="8992855" cy="4220164"/>
+            <a:off x="1904415" y="2043633"/>
+            <a:ext cx="8383170" cy="3915321"/>
           </a:xfrm>
         </p:spPr>
       </p:pic>
     </p:spTree>
     <p:extLst>
       <p:ext uri="{BB962C8B-B14F-4D97-AF65-F5344CB8AC3E}">
-        <p14:creationId xmlns:p14="http://schemas.microsoft.com/office/powerpoint/2010/main" val="3866817964"/>
+        <p14:creationId xmlns:p14="http://schemas.microsoft.com/office/powerpoint/2010/main" val="3559392291"/>
       </p:ext>
     </p:extLst>
   </p:cSld>
